--- a/document/第3章系統規格/系統架構.pptx
+++ b/document/第3章系統規格/系統架構.pptx
@@ -5183,40 +5183,12 @@
       </p:grpSpPr>
       <p:pic>
         <p:nvPicPr>
-          <p:cNvPr id="60" name="Google Shape;60;p14"/>
+          <p:cNvPr id="61" name="Google Shape;61;p14"/>
           <p:cNvPicPr preferRelativeResize="0"/>
           <p:nvPr/>
         </p:nvPicPr>
         <p:blipFill>
           <a:blip r:embed="rId3">
-            <a:alphaModFix/>
-          </a:blip>
-          <a:stretch>
-            <a:fillRect/>
-          </a:stretch>
-        </p:blipFill>
-        <p:spPr>
-          <a:xfrm>
-            <a:off x="4147200" y="2026492"/>
-            <a:ext cx="900000" cy="917683"/>
-          </a:xfrm>
-          <a:prstGeom prst="rect">
-            <a:avLst/>
-          </a:prstGeom>
-          <a:noFill/>
-          <a:ln>
-            <a:noFill/>
-          </a:ln>
-        </p:spPr>
-      </p:pic>
-      <p:pic>
-        <p:nvPicPr>
-          <p:cNvPr id="61" name="Google Shape;61;p14"/>
-          <p:cNvPicPr preferRelativeResize="0"/>
-          <p:nvPr/>
-        </p:nvPicPr>
-        <p:blipFill>
-          <a:blip r:embed="rId4">
             <a:alphaModFix/>
           </a:blip>
           <a:stretch>
@@ -5244,7 +5216,7 @@
           <p:nvPr/>
         </p:nvPicPr>
         <p:blipFill>
-          <a:blip r:embed="rId5">
+          <a:blip r:embed="rId4">
             <a:alphaModFix/>
           </a:blip>
           <a:stretch>
@@ -5468,10 +5440,10 @@
               <a:buNone/>
             </a:pPr>
             <a:r>
-              <a:rPr lang="zh-TW"/>
+              <a:rPr lang="zh-TW" dirty="0"/>
               <a:t>展覽廠商</a:t>
             </a:r>
-            <a:endParaRPr/>
+            <a:endParaRPr dirty="0"/>
           </a:p>
         </p:txBody>
       </p:sp>
@@ -5860,7 +5832,7 @@
           <p:nvPr/>
         </p:nvPicPr>
         <p:blipFill>
-          <a:blip r:embed="rId6">
+          <a:blip r:embed="rId5">
             <a:alphaModFix/>
           </a:blip>
           <a:stretch>
@@ -5884,11 +5856,13 @@
       <p:pic>
         <p:nvPicPr>
           <p:cNvPr id="78" name="Google Shape;78;p14"/>
-          <p:cNvPicPr preferRelativeResize="0"/>
+          <p:cNvPicPr preferRelativeResize="0">
+            <a:picLocks noChangeAspect="1"/>
+          </p:cNvPicPr>
           <p:nvPr/>
         </p:nvPicPr>
         <p:blipFill>
-          <a:blip r:embed="rId7">
+          <a:blip r:embed="rId6">
             <a:alphaModFix/>
           </a:blip>
           <a:stretch>
@@ -5897,7 +5871,7 @@
         </p:blipFill>
         <p:spPr>
           <a:xfrm>
-            <a:off x="4121200" y="107525"/>
+            <a:off x="4122000" y="107525"/>
             <a:ext cx="900000" cy="900000"/>
           </a:xfrm>
           <a:prstGeom prst="rect">
@@ -5916,7 +5890,7 @@
           <p:nvPr/>
         </p:nvPicPr>
         <p:blipFill>
-          <a:blip r:embed="rId8">
+          <a:blip r:embed="rId7">
             <a:alphaModFix/>
           </a:blip>
           <a:stretch>
@@ -5944,7 +5918,7 @@
           <p:nvPr/>
         </p:nvPicPr>
         <p:blipFill>
-          <a:blip r:embed="rId9">
+          <a:blip r:embed="rId8">
             <a:alphaModFix/>
           </a:blip>
           <a:stretch>
@@ -6053,15 +6027,16 @@
         <p:nvCxnSpPr>
           <p:cNvPr id="84" name="Google Shape;84;p14"/>
           <p:cNvCxnSpPr>
+            <a:cxnSpLocks/>
             <a:stCxn id="65" idx="2"/>
-            <a:endCxn id="60" idx="3"/>
+            <a:endCxn id="3" idx="3"/>
           </p:cNvCxnSpPr>
           <p:nvPr/>
         </p:nvCxnSpPr>
         <p:spPr>
           <a:xfrm flipH="1">
-            <a:off x="5047100" y="1327400"/>
-            <a:ext cx="1391700" cy="1158000"/>
+            <a:off x="5064632" y="1327400"/>
+            <a:ext cx="1374168" cy="1222975"/>
           </a:xfrm>
           <a:prstGeom prst="straightConnector1">
             <a:avLst/>
@@ -6082,15 +6057,16 @@
         <p:nvCxnSpPr>
           <p:cNvPr id="85" name="Google Shape;85;p14"/>
           <p:cNvCxnSpPr>
+            <a:cxnSpLocks/>
             <a:stCxn id="69" idx="2"/>
-            <a:endCxn id="60" idx="1"/>
+            <a:endCxn id="3" idx="1"/>
           </p:cNvCxnSpPr>
           <p:nvPr/>
         </p:nvCxnSpPr>
         <p:spPr>
           <a:xfrm>
             <a:off x="2703600" y="1327400"/>
-            <a:ext cx="1443600" cy="1158000"/>
+            <a:ext cx="1375769" cy="1222975"/>
           </a:xfrm>
           <a:prstGeom prst="straightConnector1">
             <a:avLst/>
@@ -6136,13 +6112,16 @@
       <p:cxnSp>
         <p:nvCxnSpPr>
           <p:cNvPr id="87" name="Google Shape;87;p14"/>
-          <p:cNvCxnSpPr/>
+          <p:cNvCxnSpPr>
+            <a:cxnSpLocks/>
+            <a:stCxn id="3" idx="0"/>
+          </p:cNvCxnSpPr>
           <p:nvPr/>
         </p:nvCxnSpPr>
         <p:spPr>
-          <a:xfrm rot="10800000">
-            <a:off x="4560775" y="1327400"/>
-            <a:ext cx="0" cy="753600"/>
+          <a:xfrm flipV="1">
+            <a:off x="4572001" y="1327401"/>
+            <a:ext cx="0" cy="772974"/>
           </a:xfrm>
           <a:prstGeom prst="straightConnector1">
             <a:avLst/>
@@ -6159,6 +6138,36 @@
           </a:ln>
         </p:spPr>
       </p:cxnSp>
+      <p:pic>
+        <p:nvPicPr>
+          <p:cNvPr id="3" name="圖片 2">
+            <a:extLst>
+              <a:ext uri="{FF2B5EF4-FFF2-40B4-BE49-F238E27FC236}">
+                <a16:creationId xmlns:a16="http://schemas.microsoft.com/office/drawing/2014/main" id="{A2216D93-27AB-4493-8B03-7AAD43516C45}"/>
+              </a:ext>
+            </a:extLst>
+          </p:cNvPr>
+          <p:cNvPicPr>
+            <a:picLocks noChangeAspect="1"/>
+          </p:cNvPicPr>
+          <p:nvPr/>
+        </p:nvPicPr>
+        <p:blipFill>
+          <a:blip r:embed="rId9"/>
+          <a:stretch>
+            <a:fillRect/>
+          </a:stretch>
+        </p:blipFill>
+        <p:spPr>
+          <a:xfrm>
+            <a:off x="4079369" y="2100375"/>
+            <a:ext cx="985263" cy="900000"/>
+          </a:xfrm>
+          <a:prstGeom prst="rect">
+            <a:avLst/>
+          </a:prstGeom>
+        </p:spPr>
+      </p:pic>
     </p:spTree>
   </p:cSld>
   <p:clrMapOvr>

--- a/document/第3章系統規格/系統架構.pptx
+++ b/document/第3章系統規格/系統架構.pptx
@@ -5398,10 +5398,10 @@
               <a:buNone/>
             </a:pPr>
             <a:r>
-              <a:rPr lang="zh-TW"/>
+              <a:rPr lang="zh-TW" dirty="0"/>
               <a:t>管理者</a:t>
             </a:r>
-            <a:endParaRPr/>
+            <a:endParaRPr dirty="0"/>
           </a:p>
         </p:txBody>
       </p:sp>
@@ -5444,48 +5444,6 @@
               <a:t>展覽廠商</a:t>
             </a:r>
             <a:endParaRPr dirty="0"/>
-          </a:p>
-        </p:txBody>
-      </p:sp>
-      <p:sp>
-        <p:nvSpPr>
-          <p:cNvPr id="68" name="Google Shape;68;p14"/>
-          <p:cNvSpPr txBox="1"/>
-          <p:nvPr/>
-        </p:nvSpPr>
-        <p:spPr>
-          <a:xfrm>
-            <a:off x="4243350" y="2848050"/>
-            <a:ext cx="657300" cy="400200"/>
-          </a:xfrm>
-          <a:prstGeom prst="rect">
-            <a:avLst/>
-          </a:prstGeom>
-          <a:noFill/>
-          <a:ln>
-            <a:noFill/>
-          </a:ln>
-        </p:spPr>
-        <p:txBody>
-          <a:bodyPr spcFirstLastPara="1" wrap="square" lIns="91425" tIns="91425" rIns="91425" bIns="91425" anchor="t" anchorCtr="0">
-            <a:spAutoFit/>
-          </a:bodyPr>
-          <a:lstStyle/>
-          <a:p>
-            <a:pPr marL="0" lvl="0" indent="0" algn="ctr" rtl="0">
-              <a:spcBef>
-                <a:spcPts val="0"/>
-              </a:spcBef>
-              <a:spcAft>
-                <a:spcPts val="0"/>
-              </a:spcAft>
-              <a:buNone/>
-            </a:pPr>
-            <a:r>
-              <a:rPr lang="zh-TW"/>
-              <a:t>系統</a:t>
-            </a:r>
-            <a:endParaRPr/>
           </a:p>
         </p:txBody>
       </p:sp>
@@ -5943,15 +5901,14 @@
         <p:nvCxnSpPr>
           <p:cNvPr id="81" name="Google Shape;81;p14"/>
           <p:cNvCxnSpPr>
-            <a:stCxn id="80" idx="0"/>
-            <a:endCxn id="68" idx="3"/>
+            <a:cxnSpLocks/>
           </p:cNvCxnSpPr>
           <p:nvPr/>
         </p:nvCxnSpPr>
         <p:spPr>
-          <a:xfrm rot="10800000">
-            <a:off x="4900700" y="3048150"/>
-            <a:ext cx="1538100" cy="610200"/>
+          <a:xfrm flipH="1" flipV="1">
+            <a:off x="5022000" y="2946412"/>
+            <a:ext cx="1416495" cy="711928"/>
           </a:xfrm>
           <a:prstGeom prst="straightConnector1">
             <a:avLst/>
@@ -5998,15 +5955,15 @@
         <p:nvCxnSpPr>
           <p:cNvPr id="83" name="Google Shape;83;p14"/>
           <p:cNvCxnSpPr>
+            <a:cxnSpLocks/>
             <a:stCxn id="77" idx="0"/>
-            <a:endCxn id="68" idx="1"/>
           </p:cNvCxnSpPr>
           <p:nvPr/>
         </p:nvCxnSpPr>
         <p:spPr>
-          <a:xfrm rot="10800000" flipH="1">
-            <a:off x="2657955" y="3048143"/>
-            <a:ext cx="1585500" cy="610200"/>
+          <a:xfrm flipV="1">
+            <a:off x="2657955" y="2946412"/>
+            <a:ext cx="1476945" cy="711931"/>
           </a:xfrm>
           <a:prstGeom prst="straightConnector1">
             <a:avLst/>
@@ -6035,8 +5992,8 @@
         </p:nvCxnSpPr>
         <p:spPr>
           <a:xfrm flipH="1">
-            <a:off x="5064632" y="1327400"/>
-            <a:ext cx="1374168" cy="1222975"/>
+            <a:off x="5128423" y="1327400"/>
+            <a:ext cx="1310377" cy="1299137"/>
           </a:xfrm>
           <a:prstGeom prst="straightConnector1">
             <a:avLst/>
@@ -6066,7 +6023,7 @@
         <p:spPr>
           <a:xfrm>
             <a:off x="2703600" y="1327400"/>
-            <a:ext cx="1375769" cy="1222975"/>
+            <a:ext cx="1308778" cy="1299137"/>
           </a:xfrm>
           <a:prstGeom prst="straightConnector1">
             <a:avLst/>
@@ -6115,13 +6072,14 @@
           <p:cNvCxnSpPr>
             <a:cxnSpLocks/>
             <a:stCxn id="3" idx="0"/>
+            <a:endCxn id="66" idx="2"/>
           </p:cNvCxnSpPr>
           <p:nvPr/>
         </p:nvCxnSpPr>
         <p:spPr>
           <a:xfrm flipV="1">
-            <a:off x="4572001" y="1327401"/>
-            <a:ext cx="0" cy="772974"/>
+            <a:off x="4570401" y="1327400"/>
+            <a:ext cx="1599" cy="772974"/>
           </a:xfrm>
           <a:prstGeom prst="straightConnector1">
             <a:avLst/>
@@ -6160,8 +6118,8 @@
         </p:blipFill>
         <p:spPr>
           <a:xfrm>
-            <a:off x="4079369" y="2100375"/>
-            <a:ext cx="985263" cy="900000"/>
+            <a:off x="4012378" y="2100374"/>
+            <a:ext cx="1116045" cy="1052326"/>
           </a:xfrm>
           <a:prstGeom prst="rect">
             <a:avLst/>

--- a/document/第3章系統規格/系統架構.pptx
+++ b/document/第3章系統規格/系統架構.pptx
@@ -5165,8 +5165,18 @@
 </file>
 
 <file path=ppt/slides/slide1.xml><?xml version="1.0" encoding="utf-8"?>
-<p:sld xmlns:a="http://schemas.openxmlformats.org/drawingml/2006/main" xmlns:r="http://schemas.openxmlformats.org/officeDocument/2006/relationships" xmlns:p="http://schemas.openxmlformats.org/presentationml/2006/main">
+<p:sld xmlns:a="http://schemas.openxmlformats.org/drawingml/2006/main" xmlns:r="http://schemas.openxmlformats.org/officeDocument/2006/relationships" xmlns:p="http://schemas.openxmlformats.org/presentationml/2006/main" showMasterSp="0">
   <p:cSld>
+    <p:bg>
+      <p:bgPr>
+        <a:solidFill>
+          <a:schemeClr val="lt1">
+            <a:alpha val="0"/>
+          </a:schemeClr>
+        </a:solidFill>
+        <a:effectLst/>
+      </p:bgPr>
+    </p:bg>
     <p:spTree>
       <p:nvGrpSpPr>
         <p:cNvPr id="1" name="Shape 59"/>
@@ -5907,8 +5917,8 @@
         </p:nvCxnSpPr>
         <p:spPr>
           <a:xfrm flipH="1" flipV="1">
-            <a:off x="5022000" y="2946412"/>
-            <a:ext cx="1416495" cy="711928"/>
+            <a:off x="5101695" y="2986467"/>
+            <a:ext cx="1336801" cy="671873"/>
           </a:xfrm>
           <a:prstGeom prst="straightConnector1">
             <a:avLst/>
@@ -5962,8 +5972,8 @@
         </p:nvCxnSpPr>
         <p:spPr>
           <a:xfrm flipV="1">
-            <a:off x="2657955" y="2946412"/>
-            <a:ext cx="1476945" cy="711931"/>
+            <a:off x="2657955" y="3009499"/>
+            <a:ext cx="1346068" cy="648844"/>
           </a:xfrm>
           <a:prstGeom prst="straightConnector1">
             <a:avLst/>
@@ -5992,8 +6002,8 @@
         </p:nvCxnSpPr>
         <p:spPr>
           <a:xfrm flipH="1">
-            <a:off x="5128423" y="1327400"/>
-            <a:ext cx="1310377" cy="1299137"/>
+            <a:off x="5229182" y="1327400"/>
+            <a:ext cx="1209618" cy="1205352"/>
           </a:xfrm>
           <a:prstGeom prst="straightConnector1">
             <a:avLst/>
@@ -6023,7 +6033,7 @@
         <p:spPr>
           <a:xfrm>
             <a:off x="2703600" y="1327400"/>
-            <a:ext cx="1308778" cy="1299137"/>
+            <a:ext cx="1210608" cy="1205352"/>
           </a:xfrm>
           <a:prstGeom prst="straightConnector1">
             <a:avLst/>
@@ -6078,8 +6088,8 @@
         </p:nvCxnSpPr>
         <p:spPr>
           <a:xfrm flipV="1">
-            <a:off x="4570401" y="1327400"/>
-            <a:ext cx="1599" cy="772974"/>
+            <a:off x="4571695" y="1327400"/>
+            <a:ext cx="305" cy="585403"/>
           </a:xfrm>
           <a:prstGeom prst="straightConnector1">
             <a:avLst/>
@@ -6118,8 +6128,8 @@
         </p:blipFill>
         <p:spPr>
           <a:xfrm>
-            <a:off x="4012378" y="2100374"/>
-            <a:ext cx="1116045" cy="1052326"/>
+            <a:off x="3914208" y="1912803"/>
+            <a:ext cx="1314974" cy="1239897"/>
           </a:xfrm>
           <a:prstGeom prst="rect">
             <a:avLst/>
